--- a/Проект Финал/Космострелялка.pptx
+++ b/Проект Финал/Космострелялка.pptx
@@ -116,6 +116,11 @@
       </a:defRPr>
     </a:lvl9pPr>
   </p:defaultTextStyle>
+  <p:extLst>
+    <p:ext uri="{EFAFB233-063F-42B5-8137-9DF3F51BA10A}">
+      <p15:sldGuideLst xmlns:p15="http://schemas.microsoft.com/office/powerpoint/2012/main"/>
+    </p:ext>
+  </p:extLst>
 </p:presentation>
 </file>
 
@@ -3016,7 +3021,7 @@
               <a:t>на </a:t>
             </a:r>
             <a:r>
-              <a:rPr lang="en-US" dirty="0" smtClean="0">
+              <a:rPr lang="en-US" dirty="0" err="1" smtClean="0">
                 <a:latin typeface="Bahnschrift Light" panose="020B0502040204020203" pitchFamily="34" charset="0"/>
               </a:rPr>
               <a:t>pygame</a:t>
@@ -3404,31 +3409,28 @@
             <p:ph type="title"/>
           </p:nvPr>
         </p:nvSpPr>
-        <p:spPr/>
-        <p:txBody>
-          <a:bodyPr/>
-          <a:lstStyle/>
-          <a:p>
-            <a:endParaRPr lang="ru-RU"/>
-          </a:p>
-        </p:txBody>
-      </p:sp>
-      <p:sp>
-        <p:nvSpPr>
-          <p:cNvPr id="4" name="Объект 3"/>
-          <p:cNvSpPr>
-            <a:spLocks noGrp="1"/>
-          </p:cNvSpPr>
-          <p:nvPr>
-            <p:ph sz="half" idx="2"/>
-          </p:nvPr>
-        </p:nvSpPr>
-        <p:spPr/>
-        <p:txBody>
-          <a:bodyPr/>
-          <a:lstStyle/>
-          <a:p>
-            <a:endParaRPr lang="ru-RU" dirty="0"/>
+        <p:spPr>
+          <a:xfrm>
+            <a:off x="839788" y="365125"/>
+            <a:ext cx="10515600" cy="732155"/>
+          </a:xfrm>
+        </p:spPr>
+        <p:txBody>
+          <a:bodyPr>
+            <a:noAutofit/>
+          </a:bodyPr>
+          <a:lstStyle/>
+          <a:p>
+            <a:pPr algn="ctr"/>
+            <a:r>
+              <a:rPr lang="ru-RU" sz="5400" dirty="0" smtClean="0">
+                <a:latin typeface="Bahnschrift Light" panose="020B0502040204020203" pitchFamily="34" charset="0"/>
+              </a:rPr>
+              <a:t>Реализация</a:t>
+            </a:r>
+            <a:endParaRPr lang="ru-RU" sz="5400" dirty="0">
+              <a:latin typeface="Bahnschrift Light" panose="020B0502040204020203" pitchFamily="34" charset="0"/>
+            </a:endParaRPr>
           </a:p>
         </p:txBody>
       </p:sp>
@@ -3442,34 +3444,94 @@
             <p:ph type="body" sz="quarter" idx="3"/>
           </p:nvPr>
         </p:nvSpPr>
-        <p:spPr/>
-        <p:txBody>
-          <a:bodyPr/>
-          <a:lstStyle/>
-          <a:p>
-            <a:endParaRPr lang="ru-RU" b="0" dirty="0"/>
-          </a:p>
-        </p:txBody>
-      </p:sp>
-      <p:sp>
-        <p:nvSpPr>
-          <p:cNvPr id="6" name="Объект 5"/>
-          <p:cNvSpPr>
-            <a:spLocks noGrp="1"/>
-          </p:cNvSpPr>
-          <p:nvPr>
-            <p:ph sz="quarter" idx="4"/>
-          </p:nvPr>
-        </p:nvSpPr>
-        <p:spPr/>
-        <p:txBody>
-          <a:bodyPr/>
-          <a:lstStyle/>
-          <a:p>
-            <a:endParaRPr lang="ru-RU"/>
-          </a:p>
-        </p:txBody>
-      </p:sp>
+        <p:spPr>
+          <a:xfrm>
+            <a:off x="5312664" y="1878618"/>
+            <a:ext cx="6042724" cy="769429"/>
+          </a:xfrm>
+        </p:spPr>
+        <p:txBody>
+          <a:bodyPr>
+            <a:noAutofit/>
+          </a:bodyPr>
+          <a:lstStyle/>
+          <a:p>
+            <a:r>
+              <a:rPr lang="ru-RU" b="0" dirty="0" smtClean="0">
+                <a:latin typeface="Cambria" panose="02040503050406030204" pitchFamily="18" charset="0"/>
+                <a:ea typeface="Cambria" panose="02040503050406030204" pitchFamily="18" charset="0"/>
+              </a:rPr>
+              <a:t>В методе </a:t>
+            </a:r>
+            <a:r>
+              <a:rPr lang="en-US" b="0" dirty="0" smtClean="0">
+                <a:latin typeface="Cambria" panose="02040503050406030204" pitchFamily="18" charset="0"/>
+                <a:ea typeface="Cambria" panose="02040503050406030204" pitchFamily="18" charset="0"/>
+              </a:rPr>
+              <a:t>Game</a:t>
+            </a:r>
+            <a:r>
+              <a:rPr lang="ru-RU" b="0" dirty="0" smtClean="0">
+                <a:latin typeface="Cambria" panose="02040503050406030204" pitchFamily="18" charset="0"/>
+                <a:ea typeface="Cambria" panose="02040503050406030204" pitchFamily="18" charset="0"/>
+              </a:rPr>
+              <a:t> прописан счётчик убитых врагов, счетчик перед началом игры, взрыв корабля, появление метеоров и пришельцев </a:t>
+            </a:r>
+            <a:endParaRPr lang="ru-RU" b="0" dirty="0">
+              <a:latin typeface="Cambria" panose="02040503050406030204" pitchFamily="18" charset="0"/>
+              <a:ea typeface="Cambria" panose="02040503050406030204" pitchFamily="18" charset="0"/>
+            </a:endParaRPr>
+          </a:p>
+        </p:txBody>
+      </p:sp>
+      <p:pic>
+        <p:nvPicPr>
+          <p:cNvPr id="3" name="Рисунок 2"/>
+          <p:cNvPicPr>
+            <a:picLocks noChangeAspect="1"/>
+          </p:cNvPicPr>
+          <p:nvPr/>
+        </p:nvPicPr>
+        <p:blipFill>
+          <a:blip r:embed="rId2"/>
+          <a:stretch>
+            <a:fillRect/>
+          </a:stretch>
+        </p:blipFill>
+        <p:spPr>
+          <a:xfrm>
+            <a:off x="839788" y="1182877"/>
+            <a:ext cx="4004741" cy="3456432"/>
+          </a:xfrm>
+          <a:prstGeom prst="rect">
+            <a:avLst/>
+          </a:prstGeom>
+        </p:spPr>
+      </p:pic>
+      <p:pic>
+        <p:nvPicPr>
+          <p:cNvPr id="7" name="Рисунок 6"/>
+          <p:cNvPicPr>
+            <a:picLocks noChangeAspect="1"/>
+          </p:cNvPicPr>
+          <p:nvPr/>
+        </p:nvPicPr>
+        <p:blipFill>
+          <a:blip r:embed="rId3"/>
+          <a:stretch>
+            <a:fillRect/>
+          </a:stretch>
+        </p:blipFill>
+        <p:spPr>
+          <a:xfrm>
+            <a:off x="6583680" y="2776063"/>
+            <a:ext cx="4771708" cy="3257262"/>
+          </a:xfrm>
+          <a:prstGeom prst="rect">
+            <a:avLst/>
+          </a:prstGeom>
+        </p:spPr>
+      </p:pic>
     </p:spTree>
     <p:extLst>
       <p:ext uri="{BB962C8B-B14F-4D97-AF65-F5344CB8AC3E}">
@@ -3502,7 +3564,7 @@
       </p:grpSpPr>
       <p:sp>
         <p:nvSpPr>
-          <p:cNvPr id="2" name="Заголовок 1"/>
+          <p:cNvPr id="7" name="Заголовок 6"/>
           <p:cNvSpPr>
             <a:spLocks noGrp="1"/>
           </p:cNvSpPr>
@@ -3510,18 +3572,45 @@
             <p:ph type="title"/>
           </p:nvPr>
         </p:nvSpPr>
-        <p:spPr/>
-        <p:txBody>
-          <a:bodyPr/>
-          <a:lstStyle/>
-          <a:p>
-            <a:endParaRPr lang="ru-RU"/>
-          </a:p>
-        </p:txBody>
-      </p:sp>
-      <p:sp>
-        <p:nvSpPr>
-          <p:cNvPr id="3" name="Текст 2"/>
+        <p:spPr>
+          <a:xfrm>
+            <a:off x="1297940" y="969265"/>
+            <a:ext cx="10049510" cy="1060703"/>
+          </a:xfrm>
+        </p:spPr>
+        <p:txBody>
+          <a:bodyPr>
+            <a:noAutofit/>
+          </a:bodyPr>
+          <a:lstStyle/>
+          <a:p>
+            <a:pPr algn="ctr"/>
+            <a:r>
+              <a:rPr lang="ru-RU" sz="4800" dirty="0" smtClean="0">
+                <a:latin typeface="Bahnschrift Light" panose="020B0502040204020203" pitchFamily="34" charset="0"/>
+              </a:rPr>
+              <a:t>Выводы, </a:t>
+            </a:r>
+            <a:br>
+              <a:rPr lang="ru-RU" sz="4800" dirty="0" smtClean="0">
+                <a:latin typeface="Bahnschrift Light" panose="020B0502040204020203" pitchFamily="34" charset="0"/>
+              </a:rPr>
+            </a:br>
+            <a:r>
+              <a:rPr lang="ru-RU" sz="4800" dirty="0" smtClean="0">
+                <a:latin typeface="Bahnschrift Light" panose="020B0502040204020203" pitchFamily="34" charset="0"/>
+              </a:rPr>
+              <a:t>возможности для доработки и развития</a:t>
+            </a:r>
+            <a:endParaRPr lang="ru-RU" sz="4800" dirty="0">
+              <a:latin typeface="Bahnschrift Light" panose="020B0502040204020203" pitchFamily="34" charset="0"/>
+            </a:endParaRPr>
+          </a:p>
+        </p:txBody>
+      </p:sp>
+      <p:sp>
+        <p:nvSpPr>
+          <p:cNvPr id="8" name="Текст 7"/>
           <p:cNvSpPr>
             <a:spLocks noGrp="1"/>
           </p:cNvSpPr>
@@ -3529,69 +3618,87 @@
             <p:ph type="body" idx="1"/>
           </p:nvPr>
         </p:nvSpPr>
-        <p:spPr/>
-        <p:txBody>
-          <a:bodyPr/>
-          <a:lstStyle/>
-          <a:p>
-            <a:endParaRPr lang="ru-RU"/>
-          </a:p>
-        </p:txBody>
-      </p:sp>
-      <p:sp>
-        <p:nvSpPr>
-          <p:cNvPr id="4" name="Объект 3"/>
-          <p:cNvSpPr>
-            <a:spLocks noGrp="1"/>
-          </p:cNvSpPr>
-          <p:nvPr>
-            <p:ph sz="half" idx="2"/>
-          </p:nvPr>
-        </p:nvSpPr>
-        <p:spPr/>
-        <p:txBody>
-          <a:bodyPr/>
-          <a:lstStyle/>
-          <a:p>
-            <a:endParaRPr lang="ru-RU"/>
-          </a:p>
-        </p:txBody>
-      </p:sp>
-      <p:sp>
-        <p:nvSpPr>
-          <p:cNvPr id="5" name="Текст 4"/>
-          <p:cNvSpPr>
-            <a:spLocks noGrp="1"/>
-          </p:cNvSpPr>
-          <p:nvPr>
-            <p:ph type="body" sz="quarter" idx="3"/>
-          </p:nvPr>
-        </p:nvSpPr>
-        <p:spPr/>
-        <p:txBody>
-          <a:bodyPr/>
-          <a:lstStyle/>
-          <a:p>
-            <a:endParaRPr lang="ru-RU"/>
-          </a:p>
-        </p:txBody>
-      </p:sp>
-      <p:sp>
-        <p:nvSpPr>
-          <p:cNvPr id="6" name="Объект 5"/>
-          <p:cNvSpPr>
-            <a:spLocks noGrp="1"/>
-          </p:cNvSpPr>
-          <p:nvPr>
-            <p:ph sz="quarter" idx="4"/>
-          </p:nvPr>
-        </p:nvSpPr>
-        <p:spPr/>
-        <p:txBody>
-          <a:bodyPr/>
-          <a:lstStyle/>
-          <a:p>
-            <a:endParaRPr lang="ru-RU"/>
+        <p:spPr>
+          <a:xfrm>
+            <a:off x="831850" y="2377440"/>
+            <a:ext cx="10515600" cy="3511295"/>
+          </a:xfrm>
+        </p:spPr>
+        <p:txBody>
+          <a:bodyPr>
+            <a:normAutofit/>
+          </a:bodyPr>
+          <a:lstStyle/>
+          <a:p>
+            <a:r>
+              <a:rPr lang="ru-RU" dirty="0" smtClean="0">
+                <a:solidFill>
+                  <a:schemeClr val="tx1"/>
+                </a:solidFill>
+                <a:latin typeface="Cambria" panose="02040503050406030204" pitchFamily="18" charset="0"/>
+                <a:ea typeface="Cambria" panose="02040503050406030204" pitchFamily="18" charset="0"/>
+              </a:rPr>
+              <a:t>Выводы: благодаря проделанной работе мы научились</a:t>
+            </a:r>
+            <a:r>
+              <a:rPr lang="en-US" dirty="0" smtClean="0">
+                <a:solidFill>
+                  <a:schemeClr val="tx1"/>
+                </a:solidFill>
+                <a:latin typeface="Cambria" panose="02040503050406030204" pitchFamily="18" charset="0"/>
+                <a:ea typeface="Cambria" panose="02040503050406030204" pitchFamily="18" charset="0"/>
+              </a:rPr>
+              <a:t> </a:t>
+            </a:r>
+            <a:r>
+              <a:rPr lang="ru-RU" dirty="0" smtClean="0">
+                <a:solidFill>
+                  <a:schemeClr val="tx1"/>
+                </a:solidFill>
+                <a:latin typeface="Cambria" panose="02040503050406030204" pitchFamily="18" charset="0"/>
+                <a:ea typeface="Cambria" panose="02040503050406030204" pitchFamily="18" charset="0"/>
+              </a:rPr>
+              <a:t>работать с библиотекой </a:t>
+            </a:r>
+            <a:r>
+              <a:rPr lang="en-US" dirty="0" smtClean="0">
+                <a:solidFill>
+                  <a:schemeClr val="tx1"/>
+                </a:solidFill>
+                <a:latin typeface="Cambria" panose="02040503050406030204" pitchFamily="18" charset="0"/>
+                <a:ea typeface="Cambria" panose="02040503050406030204" pitchFamily="18" charset="0"/>
+              </a:rPr>
+              <a:t>Pygame</a:t>
+            </a:r>
+            <a:r>
+              <a:rPr lang="ru-RU" dirty="0" smtClean="0">
+                <a:solidFill>
+                  <a:schemeClr val="tx1"/>
+                </a:solidFill>
+                <a:latin typeface="Cambria" panose="02040503050406030204" pitchFamily="18" charset="0"/>
+                <a:ea typeface="Cambria" panose="02040503050406030204" pitchFamily="18" charset="0"/>
+              </a:rPr>
+              <a:t>, смогли создать интересную игру и научились работать в команде</a:t>
+            </a:r>
+          </a:p>
+          <a:p>
+            <a:r>
+              <a:rPr lang="ru-RU" dirty="0" smtClean="0">
+                <a:solidFill>
+                  <a:schemeClr val="tx1"/>
+                </a:solidFill>
+                <a:latin typeface="Cambria" panose="02040503050406030204" pitchFamily="18" charset="0"/>
+                <a:ea typeface="Cambria" panose="02040503050406030204" pitchFamily="18" charset="0"/>
+              </a:rPr>
+              <a:t>Возможности для доработки и развития: в игру можно добавить несколько видов кораблей и покупать их за монеты. Так же можно сделать несколько видов пришельцев, которые будут наносить разный урон и иметь разное количество жизней</a:t>
+            </a:r>
+            <a:endParaRPr lang="ru-RU" dirty="0">
+              <a:solidFill>
+                <a:schemeClr val="tx1"/>
+              </a:solidFill>
+              <a:latin typeface="Cambria" panose="02040503050406030204" pitchFamily="18" charset="0"/>
+              <a:ea typeface="Cambria" panose="02040503050406030204" pitchFamily="18" charset="0"/>
+            </a:endParaRPr>
           </a:p>
         </p:txBody>
       </p:sp>
@@ -3625,101 +3732,30 @@
           <a:chExt cx="0" cy="0"/>
         </a:xfrm>
       </p:grpSpPr>
-      <p:sp>
-        <p:nvSpPr>
-          <p:cNvPr id="2" name="Заголовок 1"/>
-          <p:cNvSpPr>
-            <a:spLocks noGrp="1"/>
-          </p:cNvSpPr>
-          <p:nvPr>
-            <p:ph type="title"/>
-          </p:nvPr>
-        </p:nvSpPr>
-        <p:spPr/>
-        <p:txBody>
-          <a:bodyPr/>
-          <a:lstStyle/>
-          <a:p>
-            <a:endParaRPr lang="ru-RU"/>
-          </a:p>
-        </p:txBody>
-      </p:sp>
-      <p:sp>
-        <p:nvSpPr>
-          <p:cNvPr id="3" name="Текст 2"/>
-          <p:cNvSpPr>
-            <a:spLocks noGrp="1"/>
-          </p:cNvSpPr>
-          <p:nvPr>
-            <p:ph type="body" idx="1"/>
-          </p:nvPr>
-        </p:nvSpPr>
-        <p:spPr/>
-        <p:txBody>
-          <a:bodyPr/>
-          <a:lstStyle/>
-          <a:p>
-            <a:endParaRPr lang="ru-RU"/>
-          </a:p>
-        </p:txBody>
-      </p:sp>
-      <p:sp>
-        <p:nvSpPr>
-          <p:cNvPr id="4" name="Объект 3"/>
-          <p:cNvSpPr>
-            <a:spLocks noGrp="1"/>
-          </p:cNvSpPr>
-          <p:nvPr>
-            <p:ph sz="half" idx="2"/>
-          </p:nvPr>
-        </p:nvSpPr>
-        <p:spPr/>
-        <p:txBody>
-          <a:bodyPr/>
-          <a:lstStyle/>
-          <a:p>
-            <a:endParaRPr lang="ru-RU"/>
-          </a:p>
-        </p:txBody>
-      </p:sp>
-      <p:sp>
-        <p:nvSpPr>
-          <p:cNvPr id="5" name="Текст 4"/>
-          <p:cNvSpPr>
-            <a:spLocks noGrp="1"/>
-          </p:cNvSpPr>
-          <p:nvPr>
-            <p:ph type="body" sz="quarter" idx="3"/>
-          </p:nvPr>
-        </p:nvSpPr>
-        <p:spPr/>
-        <p:txBody>
-          <a:bodyPr/>
-          <a:lstStyle/>
-          <a:p>
-            <a:endParaRPr lang="ru-RU"/>
-          </a:p>
-        </p:txBody>
-      </p:sp>
-      <p:sp>
-        <p:nvSpPr>
-          <p:cNvPr id="6" name="Объект 5"/>
-          <p:cNvSpPr>
-            <a:spLocks noGrp="1"/>
-          </p:cNvSpPr>
-          <p:nvPr>
-            <p:ph sz="quarter" idx="4"/>
-          </p:nvPr>
-        </p:nvSpPr>
-        <p:spPr/>
-        <p:txBody>
-          <a:bodyPr/>
-          <a:lstStyle/>
-          <a:p>
-            <a:endParaRPr lang="ru-RU"/>
-          </a:p>
-        </p:txBody>
-      </p:sp>
+      <p:pic>
+        <p:nvPicPr>
+          <p:cNvPr id="7" name="Рисунок 6"/>
+          <p:cNvPicPr>
+            <a:picLocks noChangeAspect="1"/>
+          </p:cNvPicPr>
+          <p:nvPr/>
+        </p:nvPicPr>
+        <p:blipFill>
+          <a:blip r:embed="rId2"/>
+          <a:stretch>
+            <a:fillRect/>
+          </a:stretch>
+        </p:blipFill>
+        <p:spPr>
+          <a:xfrm>
+            <a:off x="2172843" y="164592"/>
+            <a:ext cx="8635366" cy="6508555"/>
+          </a:xfrm>
+          <a:prstGeom prst="rect">
+            <a:avLst/>
+          </a:prstGeom>
+        </p:spPr>
+      </p:pic>
     </p:spTree>
     <p:extLst>
       <p:ext uri="{BB962C8B-B14F-4D97-AF65-F5344CB8AC3E}">
@@ -3795,15 +3831,70 @@
             <p:ph idx="1"/>
           </p:nvPr>
         </p:nvSpPr>
-        <p:spPr/>
-        <p:txBody>
-          <a:bodyPr/>
-          <a:lstStyle/>
-          <a:p>
-            <a:endParaRPr lang="ru-RU" dirty="0"/>
-          </a:p>
-        </p:txBody>
-      </p:sp>
+        <p:spPr>
+          <a:xfrm>
+            <a:off x="838200" y="1715897"/>
+            <a:ext cx="10515600" cy="1813687"/>
+          </a:xfrm>
+        </p:spPr>
+        <p:txBody>
+          <a:bodyPr>
+            <a:normAutofit/>
+          </a:bodyPr>
+          <a:lstStyle/>
+          <a:p>
+            <a:r>
+              <a:rPr lang="ru-RU" sz="2400" dirty="0" smtClean="0">
+                <a:latin typeface="Cambria" panose="02040503050406030204" pitchFamily="18" charset="0"/>
+                <a:ea typeface="Cambria" panose="02040503050406030204" pitchFamily="18" charset="0"/>
+              </a:rPr>
+              <a:t>Идея проекта была создать </a:t>
+            </a:r>
+            <a:r>
+              <a:rPr lang="ru-RU" sz="2400" dirty="0">
+                <a:latin typeface="Cambria" panose="02040503050406030204" pitchFamily="18" charset="0"/>
+                <a:ea typeface="Cambria" panose="02040503050406030204" pitchFamily="18" charset="0"/>
+              </a:rPr>
+              <a:t>и</a:t>
+            </a:r>
+            <a:r>
+              <a:rPr lang="ru-RU" sz="2400" dirty="0" smtClean="0">
+                <a:latin typeface="Cambria" panose="02040503050406030204" pitchFamily="18" charset="0"/>
+                <a:ea typeface="Cambria" panose="02040503050406030204" pitchFamily="18" charset="0"/>
+              </a:rPr>
+              <a:t>гру, в которой главным героем был корабль и чтобы со временем игра усложнялась, но чтобы игра стала интересней можно было бы покупать улучшения для корабля. Проект был создан для того, чтобы можно было бы проводить свободной время за собственной игрой</a:t>
+            </a:r>
+            <a:endParaRPr lang="ru-RU" sz="2400" dirty="0">
+              <a:latin typeface="Cambria" panose="02040503050406030204" pitchFamily="18" charset="0"/>
+              <a:ea typeface="Cambria" panose="02040503050406030204" pitchFamily="18" charset="0"/>
+            </a:endParaRPr>
+          </a:p>
+        </p:txBody>
+      </p:sp>
+      <p:pic>
+        <p:nvPicPr>
+          <p:cNvPr id="4" name="Рисунок 3"/>
+          <p:cNvPicPr>
+            <a:picLocks noChangeAspect="1"/>
+          </p:cNvPicPr>
+          <p:nvPr/>
+        </p:nvPicPr>
+        <p:blipFill>
+          <a:blip r:embed="rId2"/>
+          <a:stretch>
+            <a:fillRect/>
+          </a:stretch>
+        </p:blipFill>
+        <p:spPr>
+          <a:xfrm>
+            <a:off x="4711447" y="3233166"/>
+            <a:ext cx="4377690" cy="3072540"/>
+          </a:xfrm>
+          <a:prstGeom prst="rect">
+            <a:avLst/>
+          </a:prstGeom>
+        </p:spPr>
+      </p:pic>
     </p:spTree>
     <p:extLst>
       <p:ext uri="{BB962C8B-B14F-4D97-AF65-F5344CB8AC3E}">
@@ -4501,23 +4592,41 @@
         </p:nvSpPr>
         <p:spPr>
           <a:xfrm>
-            <a:off x="4921059" y="2601308"/>
-            <a:ext cx="2786231" cy="591673"/>
-          </a:xfrm>
-        </p:spPr>
-        <p:txBody>
-          <a:bodyPr/>
-          <a:lstStyle/>
-          <a:p>
-            <a:r>
-              <a:rPr lang="ru-RU" b="0" dirty="0" smtClean="0"/>
-              <a:t>Класс </a:t>
-            </a:r>
-            <a:r>
-              <a:rPr lang="en-US" b="0" dirty="0" smtClean="0"/>
-              <a:t>Alien</a:t>
-            </a:r>
-            <a:endParaRPr lang="ru-RU" b="0" dirty="0"/>
+            <a:off x="4937760" y="1270065"/>
+            <a:ext cx="6547104" cy="1719486"/>
+          </a:xfrm>
+        </p:spPr>
+        <p:txBody>
+          <a:bodyPr>
+            <a:noAutofit/>
+          </a:bodyPr>
+          <a:lstStyle/>
+          <a:p>
+            <a:r>
+              <a:rPr lang="ru-RU" sz="2000" b="0" dirty="0" smtClean="0">
+                <a:latin typeface="Cambria" panose="02040503050406030204" pitchFamily="18" charset="0"/>
+                <a:ea typeface="Cambria" panose="02040503050406030204" pitchFamily="18" charset="0"/>
+              </a:rPr>
+              <a:t>В классе </a:t>
+            </a:r>
+            <a:r>
+              <a:rPr lang="en-US" sz="2000" b="0" dirty="0" smtClean="0">
+                <a:latin typeface="Cambria" panose="02040503050406030204" pitchFamily="18" charset="0"/>
+                <a:ea typeface="Cambria" panose="02040503050406030204" pitchFamily="18" charset="0"/>
+              </a:rPr>
+              <a:t>Alien </a:t>
+            </a:r>
+            <a:r>
+              <a:rPr lang="ru-RU" sz="2000" b="0" dirty="0" smtClean="0">
+                <a:latin typeface="Cambria" panose="02040503050406030204" pitchFamily="18" charset="0"/>
+                <a:ea typeface="Cambria" panose="02040503050406030204" pitchFamily="18" charset="0"/>
+              </a:rPr>
+              <a:t>реализована анимация взрыва пришельца, ускорение его со временем, стрельба. А так же присутствует небольшая хаотичность движений пришельца, он может уворачиваться от выстрелов игрока, приближаясь к нему</a:t>
+            </a:r>
+            <a:endParaRPr lang="ru-RU" sz="2000" b="0" dirty="0">
+              <a:latin typeface="Cambria" panose="02040503050406030204" pitchFamily="18" charset="0"/>
+              <a:ea typeface="Cambria" panose="02040503050406030204" pitchFamily="18" charset="0"/>
+            </a:endParaRPr>
           </a:p>
         </p:txBody>
       </p:sp>
@@ -4545,8 +4654,8 @@
         </p:blipFill>
         <p:spPr>
           <a:xfrm>
-            <a:off x="8056349" y="3410174"/>
-            <a:ext cx="3299039" cy="2973126"/>
+            <a:off x="7717537" y="3104832"/>
+            <a:ext cx="3637852" cy="3278468"/>
           </a:xfrm>
         </p:spPr>
       </p:pic>
